--- a/FTC op mode.pptx
+++ b/FTC op mode.pptx
@@ -1684,7 +1684,7 @@
           <a:p>
             <a:fld id="{6AC7DF12-B69B-1148-876F-EC2158BF99E8}" type="datetimeFigureOut">
               <a:rPr lang="en-US" smtClean="0"/>
-              <a:t>10/12/21</a:t>
+              <a:t>3/2/22</a:t>
             </a:fld>
             <a:endParaRPr lang="en-US"/>
           </a:p>
@@ -1861,7 +1861,7 @@
           <a:p>
             <a:fld id="{7EC043D2-CDCF-704C-9440-CC94FF096FC1}" type="datetimeFigureOut">
               <a:rPr lang="en-US" smtClean="0"/>
-              <a:t>10/12/21</a:t>
+              <a:t>3/2/22</a:t>
             </a:fld>
             <a:endParaRPr lang="en-US"/>
           </a:p>
@@ -2529,7 +2529,7 @@
             <a:fld id="{B61BEF0D-F0BB-DE4B-95CE-6DB70DBA9567}" type="datetimeFigureOut">
               <a:rPr lang="en-US" dirty="0"/>
               <a:pPr/>
-              <a:t>10/12/21</a:t>
+              <a:t>3/2/22</a:t>
             </a:fld>
             <a:endParaRPr lang="en-US" dirty="0"/>
           </a:p>
@@ -2860,7 +2860,7 @@
             <a:fld id="{B61BEF0D-F0BB-DE4B-95CE-6DB70DBA9567}" type="datetimeFigureOut">
               <a:rPr lang="en-US" dirty="0"/>
               <a:pPr/>
-              <a:t>10/12/21</a:t>
+              <a:t>3/2/22</a:t>
             </a:fld>
             <a:endParaRPr lang="en-US" dirty="0"/>
           </a:p>
@@ -3135,7 +3135,7 @@
             <a:fld id="{B61BEF0D-F0BB-DE4B-95CE-6DB70DBA9567}" type="datetimeFigureOut">
               <a:rPr lang="en-US" dirty="0"/>
               <a:pPr/>
-              <a:t>10/12/21</a:t>
+              <a:t>3/2/22</a:t>
             </a:fld>
             <a:endParaRPr lang="en-US" dirty="0"/>
           </a:p>
@@ -3700,7 +3700,7 @@
             <a:fld id="{B61BEF0D-F0BB-DE4B-95CE-6DB70DBA9567}" type="datetimeFigureOut">
               <a:rPr lang="en-US" dirty="0"/>
               <a:pPr/>
-              <a:t>10/12/21</a:t>
+              <a:t>3/2/22</a:t>
             </a:fld>
             <a:endParaRPr lang="en-US" dirty="0"/>
           </a:p>
@@ -3975,7 +3975,7 @@
             <a:fld id="{B61BEF0D-F0BB-DE4B-95CE-6DB70DBA9567}" type="datetimeFigureOut">
               <a:rPr lang="en-US" dirty="0"/>
               <a:pPr/>
-              <a:t>10/12/21</a:t>
+              <a:t>3/2/22</a:t>
             </a:fld>
             <a:endParaRPr lang="en-US" dirty="0"/>
           </a:p>
@@ -4534,7 +4534,7 @@
             <a:fld id="{B61BEF0D-F0BB-DE4B-95CE-6DB70DBA9567}" type="datetimeFigureOut">
               <a:rPr lang="en-US" dirty="0"/>
               <a:pPr/>
-              <a:t>10/12/21</a:t>
+              <a:t>3/2/22</a:t>
             </a:fld>
             <a:endParaRPr lang="en-US" dirty="0"/>
           </a:p>
@@ -4858,7 +4858,7 @@
             <a:fld id="{B61BEF0D-F0BB-DE4B-95CE-6DB70DBA9567}" type="datetimeFigureOut">
               <a:rPr lang="en-US" dirty="0"/>
               <a:pPr/>
-              <a:t>10/12/21</a:t>
+              <a:t>3/2/22</a:t>
             </a:fld>
             <a:endParaRPr lang="en-US" dirty="0"/>
           </a:p>
@@ -5032,7 +5032,7 @@
             <a:fld id="{B61BEF0D-F0BB-DE4B-95CE-6DB70DBA9567}" type="datetimeFigureOut">
               <a:rPr lang="en-US" dirty="0"/>
               <a:pPr/>
-              <a:t>10/12/21</a:t>
+              <a:t>3/2/22</a:t>
             </a:fld>
             <a:endParaRPr lang="en-US" dirty="0"/>
           </a:p>
@@ -5267,7 +5267,7 @@
             <a:fld id="{B61BEF0D-F0BB-DE4B-95CE-6DB70DBA9567}" type="datetimeFigureOut">
               <a:rPr lang="en-US" dirty="0"/>
               <a:pPr/>
-              <a:t>10/12/21</a:t>
+              <a:t>3/2/22</a:t>
             </a:fld>
             <a:endParaRPr lang="en-US" dirty="0"/>
           </a:p>
@@ -5463,7 +5463,7 @@
             <a:fld id="{B61BEF0D-F0BB-DE4B-95CE-6DB70DBA9567}" type="datetimeFigureOut">
               <a:rPr lang="en-US" dirty="0"/>
               <a:pPr/>
-              <a:t>10/12/21</a:t>
+              <a:t>3/2/22</a:t>
             </a:fld>
             <a:endParaRPr lang="en-US" dirty="0"/>
           </a:p>
@@ -5736,7 +5736,7 @@
             <a:fld id="{B61BEF0D-F0BB-DE4B-95CE-6DB70DBA9567}" type="datetimeFigureOut">
               <a:rPr lang="en-US" dirty="0"/>
               <a:pPr/>
-              <a:t>10/12/21</a:t>
+              <a:t>3/2/22</a:t>
             </a:fld>
             <a:endParaRPr lang="en-US" dirty="0"/>
           </a:p>
@@ -5999,7 +5999,7 @@
             <a:fld id="{B61BEF0D-F0BB-DE4B-95CE-6DB70DBA9567}" type="datetimeFigureOut">
               <a:rPr lang="en-US" dirty="0"/>
               <a:pPr/>
-              <a:t>10/12/21</a:t>
+              <a:t>3/2/22</a:t>
             </a:fld>
             <a:endParaRPr lang="en-US" dirty="0"/>
           </a:p>
@@ -6370,7 +6370,7 @@
             <a:fld id="{B61BEF0D-F0BB-DE4B-95CE-6DB70DBA9567}" type="datetimeFigureOut">
               <a:rPr lang="en-US" dirty="0"/>
               <a:pPr/>
-              <a:t>10/12/21</a:t>
+              <a:t>3/2/22</a:t>
             </a:fld>
             <a:endParaRPr lang="en-US" dirty="0"/>
           </a:p>
@@ -6515,7 +6515,7 @@
             <a:fld id="{B61BEF0D-F0BB-DE4B-95CE-6DB70DBA9567}" type="datetimeFigureOut">
               <a:rPr lang="en-US" dirty="0"/>
               <a:pPr/>
-              <a:t>10/12/21</a:t>
+              <a:t>3/2/22</a:t>
             </a:fld>
             <a:endParaRPr lang="en-US" dirty="0"/>
           </a:p>
@@ -6637,7 +6637,7 @@
             <a:fld id="{B61BEF0D-F0BB-DE4B-95CE-6DB70DBA9567}" type="datetimeFigureOut">
               <a:rPr lang="en-US" dirty="0"/>
               <a:pPr/>
-              <a:t>10/12/21</a:t>
+              <a:t>3/2/22</a:t>
             </a:fld>
             <a:endParaRPr lang="en-US" dirty="0"/>
           </a:p>
@@ -6919,7 +6919,7 @@
             <a:fld id="{B61BEF0D-F0BB-DE4B-95CE-6DB70DBA9567}" type="datetimeFigureOut">
               <a:rPr lang="en-US" dirty="0"/>
               <a:pPr/>
-              <a:t>10/12/21</a:t>
+              <a:t>3/2/22</a:t>
             </a:fld>
             <a:endParaRPr lang="en-US" dirty="0"/>
           </a:p>
@@ -7240,7 +7240,7 @@
             <a:fld id="{B61BEF0D-F0BB-DE4B-95CE-6DB70DBA9567}" type="datetimeFigureOut">
               <a:rPr lang="en-US" dirty="0"/>
               <a:pPr/>
-              <a:t>10/12/21</a:t>
+              <a:t>3/2/22</a:t>
             </a:fld>
             <a:endParaRPr lang="en-US" dirty="0"/>
           </a:p>
@@ -7451,7 +7451,7 @@
             <a:fld id="{B61BEF0D-F0BB-DE4B-95CE-6DB70DBA9567}" type="datetimeFigureOut">
               <a:rPr lang="en-US" dirty="0"/>
               <a:pPr/>
-              <a:t>10/12/21</a:t>
+              <a:t>3/2/22</a:t>
             </a:fld>
             <a:endParaRPr lang="en-US" dirty="0"/>
           </a:p>
@@ -13822,7 +13822,7 @@
           <a:p>
             <a:r>
               <a:rPr lang="en-US" dirty="0"/>
-              <a:t>Multi-line statements may have programming blocks</a:t>
+              <a:t>Multi-line statements may have code blocks</a:t>
             </a:r>
           </a:p>
           <a:p>
@@ -14824,7 +14824,7 @@
             <a:pPr lvl="1"/>
             <a:r>
               <a:rPr lang="en-US" dirty="0"/>
-              <a:t>Used for documentation</a:t>
+              <a:t>Used for documentation, can be exported to a website</a:t>
             </a:r>
           </a:p>
           <a:p>
